--- a/01-introduction/pics/venn-diagram.pptx
+++ b/01-introduction/pics/venn-diagram.pptx
@@ -11,6 +11,11 @@
     <p:sldId id="257" r:id="rId5"/>
     <p:sldId id="258" r:id="rId6"/>
     <p:sldId id="256" r:id="rId7"/>
+    <p:sldId id="263" r:id="rId8"/>
+    <p:sldId id="264" r:id="rId9"/>
+    <p:sldId id="266" r:id="rId10"/>
+    <p:sldId id="265" r:id="rId11"/>
+    <p:sldId id="262" r:id="rId12"/>
   </p:sldIdLst>
   <p:sldSz cx="9144000" cy="6858000" type="screen4x3"/>
   <p:notesSz cx="6858000" cy="9144000"/>
@@ -248,7 +253,7 @@
           <a:p>
             <a:fld id="{697667A7-E268-4CB7-8164-CAFF741A4506}" type="datetimeFigureOut">
               <a:rPr lang="de-DE" smtClean="0"/>
-              <a:t>17.08.21</a:t>
+              <a:t>26.08.21</a:t>
             </a:fld>
             <a:endParaRPr lang="de-DE"/>
           </a:p>
@@ -418,7 +423,7 @@
           <a:p>
             <a:fld id="{697667A7-E268-4CB7-8164-CAFF741A4506}" type="datetimeFigureOut">
               <a:rPr lang="de-DE" smtClean="0"/>
-              <a:t>17.08.21</a:t>
+              <a:t>26.08.21</a:t>
             </a:fld>
             <a:endParaRPr lang="de-DE"/>
           </a:p>
@@ -598,7 +603,7 @@
           <a:p>
             <a:fld id="{697667A7-E268-4CB7-8164-CAFF741A4506}" type="datetimeFigureOut">
               <a:rPr lang="de-DE" smtClean="0"/>
-              <a:t>17.08.21</a:t>
+              <a:t>26.08.21</a:t>
             </a:fld>
             <a:endParaRPr lang="de-DE"/>
           </a:p>
@@ -768,7 +773,7 @@
           <a:p>
             <a:fld id="{697667A7-E268-4CB7-8164-CAFF741A4506}" type="datetimeFigureOut">
               <a:rPr lang="de-DE" smtClean="0"/>
-              <a:t>17.08.21</a:t>
+              <a:t>26.08.21</a:t>
             </a:fld>
             <a:endParaRPr lang="de-DE"/>
           </a:p>
@@ -1012,7 +1017,7 @@
           <a:p>
             <a:fld id="{697667A7-E268-4CB7-8164-CAFF741A4506}" type="datetimeFigureOut">
               <a:rPr lang="de-DE" smtClean="0"/>
-              <a:t>17.08.21</a:t>
+              <a:t>26.08.21</a:t>
             </a:fld>
             <a:endParaRPr lang="de-DE"/>
           </a:p>
@@ -1244,7 +1249,7 @@
           <a:p>
             <a:fld id="{697667A7-E268-4CB7-8164-CAFF741A4506}" type="datetimeFigureOut">
               <a:rPr lang="de-DE" smtClean="0"/>
-              <a:t>17.08.21</a:t>
+              <a:t>26.08.21</a:t>
             </a:fld>
             <a:endParaRPr lang="de-DE"/>
           </a:p>
@@ -1611,7 +1616,7 @@
           <a:p>
             <a:fld id="{697667A7-E268-4CB7-8164-CAFF741A4506}" type="datetimeFigureOut">
               <a:rPr lang="de-DE" smtClean="0"/>
-              <a:t>17.08.21</a:t>
+              <a:t>26.08.21</a:t>
             </a:fld>
             <a:endParaRPr lang="de-DE"/>
           </a:p>
@@ -1729,7 +1734,7 @@
           <a:p>
             <a:fld id="{697667A7-E268-4CB7-8164-CAFF741A4506}" type="datetimeFigureOut">
               <a:rPr lang="de-DE" smtClean="0"/>
-              <a:t>17.08.21</a:t>
+              <a:t>26.08.21</a:t>
             </a:fld>
             <a:endParaRPr lang="de-DE"/>
           </a:p>
@@ -1824,7 +1829,7 @@
           <a:p>
             <a:fld id="{697667A7-E268-4CB7-8164-CAFF741A4506}" type="datetimeFigureOut">
               <a:rPr lang="de-DE" smtClean="0"/>
-              <a:t>17.08.21</a:t>
+              <a:t>26.08.21</a:t>
             </a:fld>
             <a:endParaRPr lang="de-DE"/>
           </a:p>
@@ -2101,7 +2106,7 @@
           <a:p>
             <a:fld id="{697667A7-E268-4CB7-8164-CAFF741A4506}" type="datetimeFigureOut">
               <a:rPr lang="de-DE" smtClean="0"/>
-              <a:t>17.08.21</a:t>
+              <a:t>26.08.21</a:t>
             </a:fld>
             <a:endParaRPr lang="de-DE"/>
           </a:p>
@@ -2358,7 +2363,7 @@
           <a:p>
             <a:fld id="{697667A7-E268-4CB7-8164-CAFF741A4506}" type="datetimeFigureOut">
               <a:rPr lang="de-DE" smtClean="0"/>
-              <a:t>17.08.21</a:t>
+              <a:t>26.08.21</a:t>
             </a:fld>
             <a:endParaRPr lang="de-DE"/>
           </a:p>
@@ -2571,7 +2576,7 @@
           <a:p>
             <a:fld id="{697667A7-E268-4CB7-8164-CAFF741A4506}" type="datetimeFigureOut">
               <a:rPr lang="de-DE" smtClean="0"/>
-              <a:t>17.08.21</a:t>
+              <a:t>26.08.21</a:t>
             </a:fld>
             <a:endParaRPr lang="de-DE"/>
           </a:p>
@@ -3025,6 +3030,952 @@
 </p:sld>
 </file>
 
+<file path=ppt/slides/slide10.xml><?xml version="1.0" encoding="utf-8"?>
+<p:sld xmlns:a="http://schemas.openxmlformats.org/drawingml/2006/main" xmlns:r="http://schemas.openxmlformats.org/officeDocument/2006/relationships" xmlns:p="http://schemas.openxmlformats.org/presentationml/2006/main">
+  <p:cSld>
+    <p:spTree>
+      <p:nvGrpSpPr>
+        <p:cNvPr id="1" name=""/>
+        <p:cNvGrpSpPr/>
+        <p:nvPr/>
+      </p:nvGrpSpPr>
+      <p:grpSpPr>
+        <a:xfrm>
+          <a:off x="0" y="0"/>
+          <a:ext cx="0" cy="0"/>
+          <a:chOff x="0" y="0"/>
+          <a:chExt cx="0" cy="0"/>
+        </a:xfrm>
+      </p:grpSpPr>
+      <p:sp>
+        <p:nvSpPr>
+          <p:cNvPr id="5" name="Ellipse 4"/>
+          <p:cNvSpPr/>
+          <p:nvPr/>
+        </p:nvSpPr>
+        <p:spPr>
+          <a:xfrm>
+            <a:off x="3168396" y="2752644"/>
+            <a:ext cx="2953512" cy="2992074"/>
+          </a:xfrm>
+          <a:prstGeom prst="ellipse">
+            <a:avLst/>
+          </a:prstGeom>
+          <a:solidFill>
+            <a:srgbClr val="546EDA">
+              <a:alpha val="50196"/>
+            </a:srgbClr>
+          </a:solidFill>
+          <a:ln>
+            <a:noFill/>
+          </a:ln>
+        </p:spPr>
+        <p:style>
+          <a:lnRef idx="2">
+            <a:schemeClr val="accent6"/>
+          </a:lnRef>
+          <a:fillRef idx="1">
+            <a:schemeClr val="lt1"/>
+          </a:fillRef>
+          <a:effectRef idx="0">
+            <a:schemeClr val="accent6"/>
+          </a:effectRef>
+          <a:fontRef idx="minor">
+            <a:schemeClr val="dk1"/>
+          </a:fontRef>
+        </p:style>
+        <p:txBody>
+          <a:bodyPr rtlCol="0" anchor="ctr"/>
+          <a:lstStyle/>
+          <a:p>
+            <a:pPr algn="ctr"/>
+            <a:endParaRPr lang="de-DE" sz="1350" b="1" dirty="0">
+              <a:latin typeface="Fira Sans" panose="020B0503050000020004" pitchFamily="34" charset="0"/>
+              <a:ea typeface="Fira Sans" panose="020B0503050000020004" pitchFamily="34" charset="0"/>
+            </a:endParaRPr>
+          </a:p>
+        </p:txBody>
+      </p:sp>
+      <p:sp>
+        <p:nvSpPr>
+          <p:cNvPr id="6" name="Ellipse 5"/>
+          <p:cNvSpPr/>
+          <p:nvPr/>
+        </p:nvSpPr>
+        <p:spPr>
+          <a:xfrm>
+            <a:off x="2240280" y="1067862"/>
+            <a:ext cx="2953512" cy="2992074"/>
+          </a:xfrm>
+          <a:prstGeom prst="ellipse">
+            <a:avLst/>
+          </a:prstGeom>
+          <a:solidFill>
+            <a:srgbClr val="FF6969">
+              <a:alpha val="49804"/>
+            </a:srgbClr>
+          </a:solidFill>
+          <a:ln>
+            <a:noFill/>
+          </a:ln>
+        </p:spPr>
+        <p:style>
+          <a:lnRef idx="2">
+            <a:schemeClr val="accent6"/>
+          </a:lnRef>
+          <a:fillRef idx="1">
+            <a:schemeClr val="lt1"/>
+          </a:fillRef>
+          <a:effectRef idx="0">
+            <a:schemeClr val="accent6"/>
+          </a:effectRef>
+          <a:fontRef idx="minor">
+            <a:schemeClr val="dk1"/>
+          </a:fontRef>
+        </p:style>
+        <p:txBody>
+          <a:bodyPr rtlCol="0" anchor="ctr"/>
+          <a:lstStyle/>
+          <a:p>
+            <a:pPr algn="ctr"/>
+            <a:endParaRPr lang="de-DE" sz="1350" b="1">
+              <a:latin typeface="Fira Sans" panose="020B0503050000020004" pitchFamily="34" charset="0"/>
+              <a:ea typeface="Fira Sans" panose="020B0503050000020004" pitchFamily="34" charset="0"/>
+            </a:endParaRPr>
+          </a:p>
+        </p:txBody>
+      </p:sp>
+      <p:sp>
+        <p:nvSpPr>
+          <p:cNvPr id="7" name="Ellipse 6"/>
+          <p:cNvSpPr/>
+          <p:nvPr/>
+        </p:nvSpPr>
+        <p:spPr>
+          <a:xfrm>
+            <a:off x="4119058" y="1029000"/>
+            <a:ext cx="2953512" cy="2992074"/>
+          </a:xfrm>
+          <a:prstGeom prst="ellipse">
+            <a:avLst/>
+          </a:prstGeom>
+          <a:solidFill>
+            <a:srgbClr val="68DE8D">
+              <a:alpha val="49804"/>
+            </a:srgbClr>
+          </a:solidFill>
+          <a:ln>
+            <a:noFill/>
+          </a:ln>
+        </p:spPr>
+        <p:style>
+          <a:lnRef idx="2">
+            <a:schemeClr val="accent6"/>
+          </a:lnRef>
+          <a:fillRef idx="1">
+            <a:schemeClr val="lt1"/>
+          </a:fillRef>
+          <a:effectRef idx="0">
+            <a:schemeClr val="accent6"/>
+          </a:effectRef>
+          <a:fontRef idx="minor">
+            <a:schemeClr val="dk1"/>
+          </a:fontRef>
+        </p:style>
+        <p:txBody>
+          <a:bodyPr rtlCol="0" anchor="ctr"/>
+          <a:lstStyle/>
+          <a:p>
+            <a:pPr algn="ctr"/>
+            <a:endParaRPr lang="de-DE" sz="1350" b="1">
+              <a:latin typeface="Fira Sans" panose="020B0503050000020004" pitchFamily="34" charset="0"/>
+              <a:ea typeface="Fira Sans" panose="020B0503050000020004" pitchFamily="34" charset="0"/>
+            </a:endParaRPr>
+          </a:p>
+        </p:txBody>
+      </p:sp>
+      <p:sp>
+        <p:nvSpPr>
+          <p:cNvPr id="2" name="Textfeld 1"/>
+          <p:cNvSpPr txBox="1"/>
+          <p:nvPr/>
+        </p:nvSpPr>
+        <p:spPr>
+          <a:xfrm>
+            <a:off x="3770678" y="4216447"/>
+            <a:ext cx="1748948" cy="784830"/>
+          </a:xfrm>
+          <a:prstGeom prst="rect">
+            <a:avLst/>
+          </a:prstGeom>
+          <a:noFill/>
+        </p:spPr>
+        <p:txBody>
+          <a:bodyPr wrap="square" rtlCol="0">
+            <a:spAutoFit/>
+          </a:bodyPr>
+          <a:lstStyle/>
+          <a:p>
+            <a:pPr algn="ctr"/>
+            <a:r>
+              <a:rPr lang="de-DE" sz="2250" b="1" dirty="0">
+                <a:latin typeface="Fira Sans" panose="020B0503050000020004" pitchFamily="34" charset="0"/>
+                <a:ea typeface="Fira Sans" panose="020B0503050000020004" pitchFamily="34" charset="0"/>
+                <a:cs typeface="Aharoni" panose="02010803020104030203" pitchFamily="2" charset="-79"/>
+              </a:rPr>
+              <a:t>Substantive</a:t>
+            </a:r>
+          </a:p>
+          <a:p>
+            <a:pPr algn="ctr"/>
+            <a:r>
+              <a:rPr lang="de-DE" sz="2250" b="1" dirty="0">
+                <a:latin typeface="Fira Sans" panose="020B0503050000020004" pitchFamily="34" charset="0"/>
+                <a:ea typeface="Fira Sans" panose="020B0503050000020004" pitchFamily="34" charset="0"/>
+                <a:cs typeface="Aharoni" panose="02010803020104030203" pitchFamily="2" charset="-79"/>
+              </a:rPr>
+              <a:t>Expertise</a:t>
+            </a:r>
+          </a:p>
+        </p:txBody>
+      </p:sp>
+      <p:sp>
+        <p:nvSpPr>
+          <p:cNvPr id="9" name="Textfeld 8"/>
+          <p:cNvSpPr txBox="1"/>
+          <p:nvPr/>
+        </p:nvSpPr>
+        <p:spPr>
+          <a:xfrm rot="19138435">
+            <a:off x="2230770" y="1982920"/>
+            <a:ext cx="2085670" cy="784830"/>
+          </a:xfrm>
+          <a:prstGeom prst="rect">
+            <a:avLst/>
+          </a:prstGeom>
+          <a:noFill/>
+        </p:spPr>
+        <p:txBody>
+          <a:bodyPr wrap="square" rtlCol="0">
+            <a:spAutoFit/>
+          </a:bodyPr>
+          <a:lstStyle/>
+          <a:p>
+            <a:pPr algn="ctr"/>
+            <a:r>
+              <a:rPr lang="de-DE" sz="2250" b="1" dirty="0">
+                <a:latin typeface="Fira Sans" panose="020B0503050000020004" pitchFamily="34" charset="0"/>
+                <a:ea typeface="Fira Sans" panose="020B0503050000020004" pitchFamily="34" charset="0"/>
+                <a:cs typeface="Aharoni" panose="02010803020104030203" pitchFamily="2" charset="-79"/>
+              </a:rPr>
+              <a:t>Data Science Skills</a:t>
+            </a:r>
+          </a:p>
+        </p:txBody>
+      </p:sp>
+      <p:sp>
+        <p:nvSpPr>
+          <p:cNvPr id="11" name="Textfeld 10"/>
+          <p:cNvSpPr txBox="1"/>
+          <p:nvPr/>
+        </p:nvSpPr>
+        <p:spPr>
+          <a:xfrm rot="2642339">
+            <a:off x="4638497" y="1982920"/>
+            <a:ext cx="2497883" cy="784830"/>
+          </a:xfrm>
+          <a:prstGeom prst="rect">
+            <a:avLst/>
+          </a:prstGeom>
+          <a:noFill/>
+        </p:spPr>
+        <p:txBody>
+          <a:bodyPr wrap="square" rtlCol="0">
+            <a:spAutoFit/>
+          </a:bodyPr>
+          <a:lstStyle/>
+          <a:p>
+            <a:pPr algn="ctr"/>
+            <a:r>
+              <a:rPr lang="de-DE" sz="2250" b="1" dirty="0" err="1">
+                <a:latin typeface="Fira Sans" panose="020B0503050000020004" pitchFamily="34" charset="0"/>
+                <a:ea typeface="Fira Sans" panose="020B0503050000020004" pitchFamily="34" charset="0"/>
+                <a:cs typeface="Aharoni" panose="02010803020104030203" pitchFamily="2" charset="-79"/>
+              </a:rPr>
+              <a:t>Math</a:t>
+            </a:r>
+            <a:r>
+              <a:rPr lang="de-DE" sz="2250" b="1" dirty="0">
+                <a:latin typeface="Fira Sans" panose="020B0503050000020004" pitchFamily="34" charset="0"/>
+                <a:ea typeface="Fira Sans" panose="020B0503050000020004" pitchFamily="34" charset="0"/>
+                <a:cs typeface="Aharoni" panose="02010803020104030203" pitchFamily="2" charset="-79"/>
+              </a:rPr>
+              <a:t> &amp; </a:t>
+            </a:r>
+            <a:r>
+              <a:rPr lang="de-DE" sz="2250" b="1" dirty="0" err="1">
+                <a:latin typeface="Fira Sans" panose="020B0503050000020004" pitchFamily="34" charset="0"/>
+                <a:ea typeface="Fira Sans" panose="020B0503050000020004" pitchFamily="34" charset="0"/>
+                <a:cs typeface="Aharoni" panose="02010803020104030203" pitchFamily="2" charset="-79"/>
+              </a:rPr>
+              <a:t>Statistics</a:t>
+            </a:r>
+            <a:endParaRPr lang="de-DE" sz="2250" b="1" dirty="0">
+              <a:latin typeface="Fira Sans" panose="020B0503050000020004" pitchFamily="34" charset="0"/>
+              <a:ea typeface="Fira Sans" panose="020B0503050000020004" pitchFamily="34" charset="0"/>
+              <a:cs typeface="Aharoni" panose="02010803020104030203" pitchFamily="2" charset="-79"/>
+            </a:endParaRPr>
+          </a:p>
+          <a:p>
+            <a:pPr algn="ctr"/>
+            <a:r>
+              <a:rPr lang="de-DE" sz="2250" b="1" dirty="0">
+                <a:latin typeface="Fira Sans" panose="020B0503050000020004" pitchFamily="34" charset="0"/>
+                <a:ea typeface="Fira Sans" panose="020B0503050000020004" pitchFamily="34" charset="0"/>
+                <a:cs typeface="Aharoni" panose="02010803020104030203" pitchFamily="2" charset="-79"/>
+              </a:rPr>
+              <a:t>Knowledge</a:t>
+            </a:r>
+          </a:p>
+        </p:txBody>
+      </p:sp>
+      <p:sp>
+        <p:nvSpPr>
+          <p:cNvPr id="8" name="Textfeld 1">
+            <a:extLst>
+              <a:ext uri="{FF2B5EF4-FFF2-40B4-BE49-F238E27FC236}">
+                <a16:creationId xmlns:a16="http://schemas.microsoft.com/office/drawing/2014/main" id="{5C8DFC31-7C01-1743-9C3C-6CBCC1B9FE9F}"/>
+              </a:ext>
+            </a:extLst>
+          </p:cNvPr>
+          <p:cNvSpPr txBox="1"/>
+          <p:nvPr/>
+        </p:nvSpPr>
+        <p:spPr>
+          <a:xfrm rot="19272981">
+            <a:off x="3313489" y="3202327"/>
+            <a:ext cx="1143437" cy="715581"/>
+          </a:xfrm>
+          <a:prstGeom prst="rect">
+            <a:avLst/>
+          </a:prstGeom>
+          <a:noFill/>
+        </p:spPr>
+        <p:txBody>
+          <a:bodyPr wrap="square" rtlCol="0">
+            <a:spAutoFit/>
+          </a:bodyPr>
+          <a:lstStyle/>
+          <a:p>
+            <a:pPr algn="ctr"/>
+            <a:r>
+              <a:rPr lang="de-DE" sz="1350" b="1" dirty="0">
+                <a:latin typeface="Fira Sans" panose="020B0503050000020004" pitchFamily="34" charset="0"/>
+                <a:ea typeface="Fira Sans" panose="020B0503050000020004" pitchFamily="34" charset="0"/>
+                <a:cs typeface="Aharoni" panose="02010803020104030203" pitchFamily="2" charset="-79"/>
+              </a:rPr>
+              <a:t>Applied Data Science</a:t>
+            </a:r>
+          </a:p>
+        </p:txBody>
+      </p:sp>
+      <p:sp>
+        <p:nvSpPr>
+          <p:cNvPr id="10" name="Textfeld 1">
+            <a:extLst>
+              <a:ext uri="{FF2B5EF4-FFF2-40B4-BE49-F238E27FC236}">
+                <a16:creationId xmlns:a16="http://schemas.microsoft.com/office/drawing/2014/main" id="{3060FA5E-63A5-8E42-B718-3EBB82727150}"/>
+              </a:ext>
+            </a:extLst>
+          </p:cNvPr>
+          <p:cNvSpPr txBox="1"/>
+          <p:nvPr/>
+        </p:nvSpPr>
+        <p:spPr>
+          <a:xfrm rot="2585290">
+            <a:off x="4835977" y="3263415"/>
+            <a:ext cx="1143437" cy="507831"/>
+          </a:xfrm>
+          <a:prstGeom prst="rect">
+            <a:avLst/>
+          </a:prstGeom>
+          <a:noFill/>
+        </p:spPr>
+        <p:txBody>
+          <a:bodyPr wrap="square" rtlCol="0">
+            <a:spAutoFit/>
+          </a:bodyPr>
+          <a:lstStyle/>
+          <a:p>
+            <a:pPr algn="ctr"/>
+            <a:r>
+              <a:rPr lang="de-DE" sz="1350" b="1" dirty="0">
+                <a:latin typeface="Fira Sans" panose="020B0503050000020004" pitchFamily="34" charset="0"/>
+                <a:ea typeface="Fira Sans" panose="020B0503050000020004" pitchFamily="34" charset="0"/>
+                <a:cs typeface="Aharoni" panose="02010803020104030203" pitchFamily="2" charset="-79"/>
+              </a:rPr>
+              <a:t>Traditional Research</a:t>
+            </a:r>
+          </a:p>
+        </p:txBody>
+      </p:sp>
+      <p:sp>
+        <p:nvSpPr>
+          <p:cNvPr id="17" name="Textfeld 1">
+            <a:extLst>
+              <a:ext uri="{FF2B5EF4-FFF2-40B4-BE49-F238E27FC236}">
+                <a16:creationId xmlns:a16="http://schemas.microsoft.com/office/drawing/2014/main" id="{7D32C569-A2B1-E142-8701-B454D954D809}"/>
+              </a:ext>
+            </a:extLst>
+          </p:cNvPr>
+          <p:cNvSpPr txBox="1"/>
+          <p:nvPr/>
+        </p:nvSpPr>
+        <p:spPr>
+          <a:xfrm>
+            <a:off x="4084899" y="1995186"/>
+            <a:ext cx="1143437" cy="507831"/>
+          </a:xfrm>
+          <a:prstGeom prst="rect">
+            <a:avLst/>
+          </a:prstGeom>
+          <a:noFill/>
+        </p:spPr>
+        <p:txBody>
+          <a:bodyPr wrap="square" rtlCol="0">
+            <a:spAutoFit/>
+          </a:bodyPr>
+          <a:lstStyle/>
+          <a:p>
+            <a:pPr algn="ctr"/>
+            <a:r>
+              <a:rPr lang="de-DE" sz="1350" b="1" dirty="0">
+                <a:latin typeface="Fira Sans" panose="020B0503050000020004" pitchFamily="34" charset="0"/>
+                <a:ea typeface="Fira Sans" panose="020B0503050000020004" pitchFamily="34" charset="0"/>
+                <a:cs typeface="Aharoni" panose="02010803020104030203" pitchFamily="2" charset="-79"/>
+              </a:rPr>
+              <a:t>Machine</a:t>
+            </a:r>
+          </a:p>
+          <a:p>
+            <a:pPr algn="ctr"/>
+            <a:r>
+              <a:rPr lang="de-DE" sz="1350" b="1" dirty="0">
+                <a:latin typeface="Fira Sans" panose="020B0503050000020004" pitchFamily="34" charset="0"/>
+                <a:ea typeface="Fira Sans" panose="020B0503050000020004" pitchFamily="34" charset="0"/>
+                <a:cs typeface="Aharoni" panose="02010803020104030203" pitchFamily="2" charset="-79"/>
+              </a:rPr>
+              <a:t>Learning</a:t>
+            </a:r>
+          </a:p>
+        </p:txBody>
+      </p:sp>
+    </p:spTree>
+    <p:extLst>
+      <p:ext uri="{BB962C8B-B14F-4D97-AF65-F5344CB8AC3E}">
+        <p14:creationId xmlns:p14="http://schemas.microsoft.com/office/powerpoint/2010/main" val="696503896"/>
+      </p:ext>
+    </p:extLst>
+  </p:cSld>
+  <p:clrMapOvr>
+    <a:masterClrMapping/>
+  </p:clrMapOvr>
+</p:sld>
+</file>
+
+<file path=ppt/slides/slide11.xml><?xml version="1.0" encoding="utf-8"?>
+<p:sld xmlns:a="http://schemas.openxmlformats.org/drawingml/2006/main" xmlns:r="http://schemas.openxmlformats.org/officeDocument/2006/relationships" xmlns:p="http://schemas.openxmlformats.org/presentationml/2006/main">
+  <p:cSld>
+    <p:spTree>
+      <p:nvGrpSpPr>
+        <p:cNvPr id="1" name=""/>
+        <p:cNvGrpSpPr/>
+        <p:nvPr/>
+      </p:nvGrpSpPr>
+      <p:grpSpPr>
+        <a:xfrm>
+          <a:off x="0" y="0"/>
+          <a:ext cx="0" cy="0"/>
+          <a:chOff x="0" y="0"/>
+          <a:chExt cx="0" cy="0"/>
+        </a:xfrm>
+      </p:grpSpPr>
+      <p:sp>
+        <p:nvSpPr>
+          <p:cNvPr id="5" name="Ellipse 4"/>
+          <p:cNvSpPr/>
+          <p:nvPr/>
+        </p:nvSpPr>
+        <p:spPr>
+          <a:xfrm>
+            <a:off x="3168396" y="2752644"/>
+            <a:ext cx="2953512" cy="2992074"/>
+          </a:xfrm>
+          <a:prstGeom prst="ellipse">
+            <a:avLst/>
+          </a:prstGeom>
+          <a:solidFill>
+            <a:srgbClr val="546EDA">
+              <a:alpha val="50196"/>
+            </a:srgbClr>
+          </a:solidFill>
+          <a:ln>
+            <a:noFill/>
+          </a:ln>
+        </p:spPr>
+        <p:style>
+          <a:lnRef idx="2">
+            <a:schemeClr val="accent6"/>
+          </a:lnRef>
+          <a:fillRef idx="1">
+            <a:schemeClr val="lt1"/>
+          </a:fillRef>
+          <a:effectRef idx="0">
+            <a:schemeClr val="accent6"/>
+          </a:effectRef>
+          <a:fontRef idx="minor">
+            <a:schemeClr val="dk1"/>
+          </a:fontRef>
+        </p:style>
+        <p:txBody>
+          <a:bodyPr rtlCol="0" anchor="ctr"/>
+          <a:lstStyle/>
+          <a:p>
+            <a:pPr algn="ctr"/>
+            <a:endParaRPr lang="de-DE" sz="1350" b="1" dirty="0">
+              <a:latin typeface="Fira Sans" panose="020B0503050000020004" pitchFamily="34" charset="0"/>
+              <a:ea typeface="Fira Sans" panose="020B0503050000020004" pitchFamily="34" charset="0"/>
+            </a:endParaRPr>
+          </a:p>
+        </p:txBody>
+      </p:sp>
+      <p:sp>
+        <p:nvSpPr>
+          <p:cNvPr id="6" name="Ellipse 5"/>
+          <p:cNvSpPr/>
+          <p:nvPr/>
+        </p:nvSpPr>
+        <p:spPr>
+          <a:xfrm>
+            <a:off x="2240280" y="1067862"/>
+            <a:ext cx="2953512" cy="2992074"/>
+          </a:xfrm>
+          <a:prstGeom prst="ellipse">
+            <a:avLst/>
+          </a:prstGeom>
+          <a:solidFill>
+            <a:srgbClr val="FF6969">
+              <a:alpha val="49804"/>
+            </a:srgbClr>
+          </a:solidFill>
+          <a:ln>
+            <a:noFill/>
+          </a:ln>
+        </p:spPr>
+        <p:style>
+          <a:lnRef idx="2">
+            <a:schemeClr val="accent6"/>
+          </a:lnRef>
+          <a:fillRef idx="1">
+            <a:schemeClr val="lt1"/>
+          </a:fillRef>
+          <a:effectRef idx="0">
+            <a:schemeClr val="accent6"/>
+          </a:effectRef>
+          <a:fontRef idx="minor">
+            <a:schemeClr val="dk1"/>
+          </a:fontRef>
+        </p:style>
+        <p:txBody>
+          <a:bodyPr rtlCol="0" anchor="ctr"/>
+          <a:lstStyle/>
+          <a:p>
+            <a:pPr algn="ctr"/>
+            <a:endParaRPr lang="de-DE" sz="1350" b="1">
+              <a:latin typeface="Fira Sans" panose="020B0503050000020004" pitchFamily="34" charset="0"/>
+              <a:ea typeface="Fira Sans" panose="020B0503050000020004" pitchFamily="34" charset="0"/>
+            </a:endParaRPr>
+          </a:p>
+        </p:txBody>
+      </p:sp>
+      <p:sp>
+        <p:nvSpPr>
+          <p:cNvPr id="7" name="Ellipse 6"/>
+          <p:cNvSpPr/>
+          <p:nvPr/>
+        </p:nvSpPr>
+        <p:spPr>
+          <a:xfrm>
+            <a:off x="4119058" y="1029000"/>
+            <a:ext cx="2953512" cy="2992074"/>
+          </a:xfrm>
+          <a:prstGeom prst="ellipse">
+            <a:avLst/>
+          </a:prstGeom>
+          <a:solidFill>
+            <a:srgbClr val="68DE8D">
+              <a:alpha val="49804"/>
+            </a:srgbClr>
+          </a:solidFill>
+          <a:ln>
+            <a:noFill/>
+          </a:ln>
+        </p:spPr>
+        <p:style>
+          <a:lnRef idx="2">
+            <a:schemeClr val="accent6"/>
+          </a:lnRef>
+          <a:fillRef idx="1">
+            <a:schemeClr val="lt1"/>
+          </a:fillRef>
+          <a:effectRef idx="0">
+            <a:schemeClr val="accent6"/>
+          </a:effectRef>
+          <a:fontRef idx="minor">
+            <a:schemeClr val="dk1"/>
+          </a:fontRef>
+        </p:style>
+        <p:txBody>
+          <a:bodyPr rtlCol="0" anchor="ctr"/>
+          <a:lstStyle/>
+          <a:p>
+            <a:pPr algn="ctr"/>
+            <a:endParaRPr lang="de-DE" sz="1350" b="1">
+              <a:latin typeface="Fira Sans" panose="020B0503050000020004" pitchFamily="34" charset="0"/>
+              <a:ea typeface="Fira Sans" panose="020B0503050000020004" pitchFamily="34" charset="0"/>
+            </a:endParaRPr>
+          </a:p>
+        </p:txBody>
+      </p:sp>
+      <p:sp>
+        <p:nvSpPr>
+          <p:cNvPr id="2" name="Textfeld 1"/>
+          <p:cNvSpPr txBox="1"/>
+          <p:nvPr/>
+        </p:nvSpPr>
+        <p:spPr>
+          <a:xfrm>
+            <a:off x="3770678" y="4216447"/>
+            <a:ext cx="1748948" cy="784830"/>
+          </a:xfrm>
+          <a:prstGeom prst="rect">
+            <a:avLst/>
+          </a:prstGeom>
+          <a:noFill/>
+        </p:spPr>
+        <p:txBody>
+          <a:bodyPr wrap="square" rtlCol="0">
+            <a:spAutoFit/>
+          </a:bodyPr>
+          <a:lstStyle/>
+          <a:p>
+            <a:pPr algn="ctr"/>
+            <a:r>
+              <a:rPr lang="de-DE" sz="2250" b="1" dirty="0">
+                <a:latin typeface="Fira Sans" panose="020B0503050000020004" pitchFamily="34" charset="0"/>
+                <a:ea typeface="Fira Sans" panose="020B0503050000020004" pitchFamily="34" charset="0"/>
+                <a:cs typeface="Aharoni" panose="02010803020104030203" pitchFamily="2" charset="-79"/>
+              </a:rPr>
+              <a:t>Substantive</a:t>
+            </a:r>
+          </a:p>
+          <a:p>
+            <a:pPr algn="ctr"/>
+            <a:r>
+              <a:rPr lang="de-DE" sz="2250" b="1" dirty="0">
+                <a:latin typeface="Fira Sans" panose="020B0503050000020004" pitchFamily="34" charset="0"/>
+                <a:ea typeface="Fira Sans" panose="020B0503050000020004" pitchFamily="34" charset="0"/>
+                <a:cs typeface="Aharoni" panose="02010803020104030203" pitchFamily="2" charset="-79"/>
+              </a:rPr>
+              <a:t>Expertise</a:t>
+            </a:r>
+          </a:p>
+        </p:txBody>
+      </p:sp>
+      <p:sp>
+        <p:nvSpPr>
+          <p:cNvPr id="9" name="Textfeld 8"/>
+          <p:cNvSpPr txBox="1"/>
+          <p:nvPr/>
+        </p:nvSpPr>
+        <p:spPr>
+          <a:xfrm rot="19138435">
+            <a:off x="2230770" y="1982920"/>
+            <a:ext cx="2085670" cy="784830"/>
+          </a:xfrm>
+          <a:prstGeom prst="rect">
+            <a:avLst/>
+          </a:prstGeom>
+          <a:noFill/>
+        </p:spPr>
+        <p:txBody>
+          <a:bodyPr wrap="square" rtlCol="0">
+            <a:spAutoFit/>
+          </a:bodyPr>
+          <a:lstStyle/>
+          <a:p>
+            <a:pPr algn="ctr"/>
+            <a:r>
+              <a:rPr lang="de-DE" sz="2250" b="1" dirty="0">
+                <a:latin typeface="Fira Sans" panose="020B0503050000020004" pitchFamily="34" charset="0"/>
+                <a:ea typeface="Fira Sans" panose="020B0503050000020004" pitchFamily="34" charset="0"/>
+                <a:cs typeface="Aharoni" panose="02010803020104030203" pitchFamily="2" charset="-79"/>
+              </a:rPr>
+              <a:t>Data Science Skills</a:t>
+            </a:r>
+          </a:p>
+        </p:txBody>
+      </p:sp>
+      <p:sp>
+        <p:nvSpPr>
+          <p:cNvPr id="11" name="Textfeld 10"/>
+          <p:cNvSpPr txBox="1"/>
+          <p:nvPr/>
+        </p:nvSpPr>
+        <p:spPr>
+          <a:xfrm rot="2642339">
+            <a:off x="4638497" y="1982920"/>
+            <a:ext cx="2497883" cy="784830"/>
+          </a:xfrm>
+          <a:prstGeom prst="rect">
+            <a:avLst/>
+          </a:prstGeom>
+          <a:noFill/>
+        </p:spPr>
+        <p:txBody>
+          <a:bodyPr wrap="square" rtlCol="0">
+            <a:spAutoFit/>
+          </a:bodyPr>
+          <a:lstStyle/>
+          <a:p>
+            <a:pPr algn="ctr"/>
+            <a:r>
+              <a:rPr lang="de-DE" sz="2250" b="1" dirty="0" err="1">
+                <a:latin typeface="Fira Sans" panose="020B0503050000020004" pitchFamily="34" charset="0"/>
+                <a:ea typeface="Fira Sans" panose="020B0503050000020004" pitchFamily="34" charset="0"/>
+                <a:cs typeface="Aharoni" panose="02010803020104030203" pitchFamily="2" charset="-79"/>
+              </a:rPr>
+              <a:t>Math</a:t>
+            </a:r>
+            <a:r>
+              <a:rPr lang="de-DE" sz="2250" b="1" dirty="0">
+                <a:latin typeface="Fira Sans" panose="020B0503050000020004" pitchFamily="34" charset="0"/>
+                <a:ea typeface="Fira Sans" panose="020B0503050000020004" pitchFamily="34" charset="0"/>
+                <a:cs typeface="Aharoni" panose="02010803020104030203" pitchFamily="2" charset="-79"/>
+              </a:rPr>
+              <a:t> &amp; </a:t>
+            </a:r>
+            <a:r>
+              <a:rPr lang="de-DE" sz="2250" b="1" dirty="0" err="1">
+                <a:latin typeface="Fira Sans" panose="020B0503050000020004" pitchFamily="34" charset="0"/>
+                <a:ea typeface="Fira Sans" panose="020B0503050000020004" pitchFamily="34" charset="0"/>
+                <a:cs typeface="Aharoni" panose="02010803020104030203" pitchFamily="2" charset="-79"/>
+              </a:rPr>
+              <a:t>Statistics</a:t>
+            </a:r>
+            <a:endParaRPr lang="de-DE" sz="2250" b="1" dirty="0">
+              <a:latin typeface="Fira Sans" panose="020B0503050000020004" pitchFamily="34" charset="0"/>
+              <a:ea typeface="Fira Sans" panose="020B0503050000020004" pitchFamily="34" charset="0"/>
+              <a:cs typeface="Aharoni" panose="02010803020104030203" pitchFamily="2" charset="-79"/>
+            </a:endParaRPr>
+          </a:p>
+          <a:p>
+            <a:pPr algn="ctr"/>
+            <a:r>
+              <a:rPr lang="de-DE" sz="2250" b="1" dirty="0">
+                <a:latin typeface="Fira Sans" panose="020B0503050000020004" pitchFamily="34" charset="0"/>
+                <a:ea typeface="Fira Sans" panose="020B0503050000020004" pitchFamily="34" charset="0"/>
+                <a:cs typeface="Aharoni" panose="02010803020104030203" pitchFamily="2" charset="-79"/>
+              </a:rPr>
+              <a:t>Knowledge</a:t>
+            </a:r>
+          </a:p>
+        </p:txBody>
+      </p:sp>
+      <p:sp>
+        <p:nvSpPr>
+          <p:cNvPr id="8" name="Textfeld 1">
+            <a:extLst>
+              <a:ext uri="{FF2B5EF4-FFF2-40B4-BE49-F238E27FC236}">
+                <a16:creationId xmlns:a16="http://schemas.microsoft.com/office/drawing/2014/main" id="{5C8DFC31-7C01-1743-9C3C-6CBCC1B9FE9F}"/>
+              </a:ext>
+            </a:extLst>
+          </p:cNvPr>
+          <p:cNvSpPr txBox="1"/>
+          <p:nvPr/>
+        </p:nvSpPr>
+        <p:spPr>
+          <a:xfrm rot="19272981">
+            <a:off x="3313489" y="3202327"/>
+            <a:ext cx="1143437" cy="715581"/>
+          </a:xfrm>
+          <a:prstGeom prst="rect">
+            <a:avLst/>
+          </a:prstGeom>
+          <a:noFill/>
+        </p:spPr>
+        <p:txBody>
+          <a:bodyPr wrap="square" rtlCol="0">
+            <a:spAutoFit/>
+          </a:bodyPr>
+          <a:lstStyle/>
+          <a:p>
+            <a:pPr algn="ctr"/>
+            <a:r>
+              <a:rPr lang="de-DE" sz="1350" b="1" dirty="0">
+                <a:latin typeface="Fira Sans" panose="020B0503050000020004" pitchFamily="34" charset="0"/>
+                <a:ea typeface="Fira Sans" panose="020B0503050000020004" pitchFamily="34" charset="0"/>
+                <a:cs typeface="Aharoni" panose="02010803020104030203" pitchFamily="2" charset="-79"/>
+              </a:rPr>
+              <a:t>Applied Data Science</a:t>
+            </a:r>
+          </a:p>
+        </p:txBody>
+      </p:sp>
+      <p:sp>
+        <p:nvSpPr>
+          <p:cNvPr id="10" name="Textfeld 1">
+            <a:extLst>
+              <a:ext uri="{FF2B5EF4-FFF2-40B4-BE49-F238E27FC236}">
+                <a16:creationId xmlns:a16="http://schemas.microsoft.com/office/drawing/2014/main" id="{3060FA5E-63A5-8E42-B718-3EBB82727150}"/>
+              </a:ext>
+            </a:extLst>
+          </p:cNvPr>
+          <p:cNvSpPr txBox="1"/>
+          <p:nvPr/>
+        </p:nvSpPr>
+        <p:spPr>
+          <a:xfrm rot="2585290">
+            <a:off x="4835977" y="3263415"/>
+            <a:ext cx="1143437" cy="507831"/>
+          </a:xfrm>
+          <a:prstGeom prst="rect">
+            <a:avLst/>
+          </a:prstGeom>
+          <a:noFill/>
+        </p:spPr>
+        <p:txBody>
+          <a:bodyPr wrap="square" rtlCol="0">
+            <a:spAutoFit/>
+          </a:bodyPr>
+          <a:lstStyle/>
+          <a:p>
+            <a:pPr algn="ctr"/>
+            <a:r>
+              <a:rPr lang="de-DE" sz="1350" b="1" dirty="0">
+                <a:latin typeface="Fira Sans" panose="020B0503050000020004" pitchFamily="34" charset="0"/>
+                <a:ea typeface="Fira Sans" panose="020B0503050000020004" pitchFamily="34" charset="0"/>
+                <a:cs typeface="Aharoni" panose="02010803020104030203" pitchFamily="2" charset="-79"/>
+              </a:rPr>
+              <a:t>Traditional Research</a:t>
+            </a:r>
+          </a:p>
+        </p:txBody>
+      </p:sp>
+      <p:sp>
+        <p:nvSpPr>
+          <p:cNvPr id="13" name="Textfeld 1">
+            <a:extLst>
+              <a:ext uri="{FF2B5EF4-FFF2-40B4-BE49-F238E27FC236}">
+                <a16:creationId xmlns:a16="http://schemas.microsoft.com/office/drawing/2014/main" id="{F31F4AC6-BD9B-3B47-916B-5155C14656AB}"/>
+              </a:ext>
+            </a:extLst>
+          </p:cNvPr>
+          <p:cNvSpPr txBox="1"/>
+          <p:nvPr/>
+        </p:nvSpPr>
+        <p:spPr>
+          <a:xfrm>
+            <a:off x="4091852" y="2884259"/>
+            <a:ext cx="1143437" cy="507831"/>
+          </a:xfrm>
+          <a:prstGeom prst="rect">
+            <a:avLst/>
+          </a:prstGeom>
+          <a:noFill/>
+        </p:spPr>
+        <p:txBody>
+          <a:bodyPr wrap="square" rtlCol="0">
+            <a:spAutoFit/>
+          </a:bodyPr>
+          <a:lstStyle/>
+          <a:p>
+            <a:pPr algn="ctr"/>
+            <a:r>
+              <a:rPr lang="de-DE" sz="1350" b="1" dirty="0">
+                <a:latin typeface="Fira Sans" panose="020B0503050000020004" pitchFamily="34" charset="0"/>
+                <a:ea typeface="Fira Sans" panose="020B0503050000020004" pitchFamily="34" charset="0"/>
+                <a:cs typeface="Aharoni" panose="02010803020104030203" pitchFamily="2" charset="-79"/>
+              </a:rPr>
+              <a:t>Data Science</a:t>
+            </a:r>
+          </a:p>
+        </p:txBody>
+      </p:sp>
+      <p:sp>
+        <p:nvSpPr>
+          <p:cNvPr id="17" name="Textfeld 1">
+            <a:extLst>
+              <a:ext uri="{FF2B5EF4-FFF2-40B4-BE49-F238E27FC236}">
+                <a16:creationId xmlns:a16="http://schemas.microsoft.com/office/drawing/2014/main" id="{7D32C569-A2B1-E142-8701-B454D954D809}"/>
+              </a:ext>
+            </a:extLst>
+          </p:cNvPr>
+          <p:cNvSpPr txBox="1"/>
+          <p:nvPr/>
+        </p:nvSpPr>
+        <p:spPr>
+          <a:xfrm>
+            <a:off x="4084899" y="1995186"/>
+            <a:ext cx="1143437" cy="507831"/>
+          </a:xfrm>
+          <a:prstGeom prst="rect">
+            <a:avLst/>
+          </a:prstGeom>
+          <a:noFill/>
+        </p:spPr>
+        <p:txBody>
+          <a:bodyPr wrap="square" rtlCol="0">
+            <a:spAutoFit/>
+          </a:bodyPr>
+          <a:lstStyle/>
+          <a:p>
+            <a:pPr algn="ctr"/>
+            <a:r>
+              <a:rPr lang="de-DE" sz="1350" b="1" dirty="0">
+                <a:latin typeface="Fira Sans" panose="020B0503050000020004" pitchFamily="34" charset="0"/>
+                <a:ea typeface="Fira Sans" panose="020B0503050000020004" pitchFamily="34" charset="0"/>
+                <a:cs typeface="Aharoni" panose="02010803020104030203" pitchFamily="2" charset="-79"/>
+              </a:rPr>
+              <a:t>Machine</a:t>
+            </a:r>
+          </a:p>
+          <a:p>
+            <a:pPr algn="ctr"/>
+            <a:r>
+              <a:rPr lang="de-DE" sz="1350" b="1" dirty="0">
+                <a:latin typeface="Fira Sans" panose="020B0503050000020004" pitchFamily="34" charset="0"/>
+                <a:ea typeface="Fira Sans" panose="020B0503050000020004" pitchFamily="34" charset="0"/>
+                <a:cs typeface="Aharoni" panose="02010803020104030203" pitchFamily="2" charset="-79"/>
+              </a:rPr>
+              <a:t>Learning</a:t>
+            </a:r>
+          </a:p>
+        </p:txBody>
+      </p:sp>
+    </p:spTree>
+    <p:extLst>
+      <p:ext uri="{BB962C8B-B14F-4D97-AF65-F5344CB8AC3E}">
+        <p14:creationId xmlns:p14="http://schemas.microsoft.com/office/powerpoint/2010/main" val="1106596991"/>
+      </p:ext>
+    </p:extLst>
+  </p:cSld>
+  <p:clrMapOvr>
+    <a:masterClrMapping/>
+  </p:clrMapOvr>
+</p:sld>
+</file>
+
 <file path=ppt/slides/slide2.xml><?xml version="1.0" encoding="utf-8"?>
 <p:sld xmlns:a="http://schemas.openxmlformats.org/drawingml/2006/main" xmlns:r="http://schemas.openxmlformats.org/officeDocument/2006/relationships" xmlns:p="http://schemas.openxmlformats.org/presentationml/2006/main">
   <p:cSld>
@@ -4582,6 +5533,811 @@
     <p:extLst>
       <p:ext uri="{BB962C8B-B14F-4D97-AF65-F5344CB8AC3E}">
         <p14:creationId xmlns:p14="http://schemas.microsoft.com/office/powerpoint/2010/main" val="149212263"/>
+      </p:ext>
+    </p:extLst>
+  </p:cSld>
+  <p:clrMapOvr>
+    <a:masterClrMapping/>
+  </p:clrMapOvr>
+</p:sld>
+</file>
+
+<file path=ppt/slides/slide7.xml><?xml version="1.0" encoding="utf-8"?>
+<p:sld xmlns:a="http://schemas.openxmlformats.org/drawingml/2006/main" xmlns:r="http://schemas.openxmlformats.org/officeDocument/2006/relationships" xmlns:p="http://schemas.openxmlformats.org/presentationml/2006/main">
+  <p:cSld>
+    <p:spTree>
+      <p:nvGrpSpPr>
+        <p:cNvPr id="1" name=""/>
+        <p:cNvGrpSpPr/>
+        <p:nvPr/>
+      </p:nvGrpSpPr>
+      <p:grpSpPr>
+        <a:xfrm>
+          <a:off x="0" y="0"/>
+          <a:ext cx="0" cy="0"/>
+          <a:chOff x="0" y="0"/>
+          <a:chExt cx="0" cy="0"/>
+        </a:xfrm>
+      </p:grpSpPr>
+      <p:sp>
+        <p:nvSpPr>
+          <p:cNvPr id="5" name="Ellipse 4"/>
+          <p:cNvSpPr/>
+          <p:nvPr/>
+        </p:nvSpPr>
+        <p:spPr>
+          <a:xfrm>
+            <a:off x="3168396" y="2752644"/>
+            <a:ext cx="2953512" cy="2992074"/>
+          </a:xfrm>
+          <a:prstGeom prst="ellipse">
+            <a:avLst/>
+          </a:prstGeom>
+          <a:solidFill>
+            <a:srgbClr val="546EDA">
+              <a:alpha val="50196"/>
+            </a:srgbClr>
+          </a:solidFill>
+          <a:ln>
+            <a:noFill/>
+          </a:ln>
+        </p:spPr>
+        <p:style>
+          <a:lnRef idx="2">
+            <a:schemeClr val="accent6"/>
+          </a:lnRef>
+          <a:fillRef idx="1">
+            <a:schemeClr val="lt1"/>
+          </a:fillRef>
+          <a:effectRef idx="0">
+            <a:schemeClr val="accent6"/>
+          </a:effectRef>
+          <a:fontRef idx="minor">
+            <a:schemeClr val="dk1"/>
+          </a:fontRef>
+        </p:style>
+        <p:txBody>
+          <a:bodyPr rtlCol="0" anchor="ctr"/>
+          <a:lstStyle/>
+          <a:p>
+            <a:pPr algn="ctr"/>
+            <a:endParaRPr lang="de-DE" sz="1350" b="1" dirty="0">
+              <a:latin typeface="Fira Sans" panose="020B0503050000020004" pitchFamily="34" charset="0"/>
+              <a:ea typeface="Fira Sans" panose="020B0503050000020004" pitchFamily="34" charset="0"/>
+            </a:endParaRPr>
+          </a:p>
+        </p:txBody>
+      </p:sp>
+      <p:sp>
+        <p:nvSpPr>
+          <p:cNvPr id="2" name="Textfeld 1"/>
+          <p:cNvSpPr txBox="1"/>
+          <p:nvPr/>
+        </p:nvSpPr>
+        <p:spPr>
+          <a:xfrm>
+            <a:off x="3770678" y="4216447"/>
+            <a:ext cx="1748948" cy="784830"/>
+          </a:xfrm>
+          <a:prstGeom prst="rect">
+            <a:avLst/>
+          </a:prstGeom>
+          <a:noFill/>
+        </p:spPr>
+        <p:txBody>
+          <a:bodyPr wrap="square" rtlCol="0">
+            <a:spAutoFit/>
+          </a:bodyPr>
+          <a:lstStyle/>
+          <a:p>
+            <a:pPr algn="ctr"/>
+            <a:r>
+              <a:rPr lang="de-DE" sz="2250" b="1" dirty="0">
+                <a:latin typeface="Fira Sans" panose="020B0503050000020004" pitchFamily="34" charset="0"/>
+                <a:ea typeface="Fira Sans" panose="020B0503050000020004" pitchFamily="34" charset="0"/>
+                <a:cs typeface="Aharoni" panose="02010803020104030203" pitchFamily="2" charset="-79"/>
+              </a:rPr>
+              <a:t>Substantive</a:t>
+            </a:r>
+          </a:p>
+          <a:p>
+            <a:pPr algn="ctr"/>
+            <a:r>
+              <a:rPr lang="de-DE" sz="2250" b="1" dirty="0">
+                <a:latin typeface="Fira Sans" panose="020B0503050000020004" pitchFamily="34" charset="0"/>
+                <a:ea typeface="Fira Sans" panose="020B0503050000020004" pitchFamily="34" charset="0"/>
+                <a:cs typeface="Aharoni" panose="02010803020104030203" pitchFamily="2" charset="-79"/>
+              </a:rPr>
+              <a:t>Expertise</a:t>
+            </a:r>
+          </a:p>
+        </p:txBody>
+      </p:sp>
+    </p:spTree>
+    <p:extLst>
+      <p:ext uri="{BB962C8B-B14F-4D97-AF65-F5344CB8AC3E}">
+        <p14:creationId xmlns:p14="http://schemas.microsoft.com/office/powerpoint/2010/main" val="3385674458"/>
+      </p:ext>
+    </p:extLst>
+  </p:cSld>
+  <p:clrMapOvr>
+    <a:masterClrMapping/>
+  </p:clrMapOvr>
+</p:sld>
+</file>
+
+<file path=ppt/slides/slide8.xml><?xml version="1.0" encoding="utf-8"?>
+<p:sld xmlns:a="http://schemas.openxmlformats.org/drawingml/2006/main" xmlns:r="http://schemas.openxmlformats.org/officeDocument/2006/relationships" xmlns:p="http://schemas.openxmlformats.org/presentationml/2006/main">
+  <p:cSld>
+    <p:spTree>
+      <p:nvGrpSpPr>
+        <p:cNvPr id="1" name=""/>
+        <p:cNvGrpSpPr/>
+        <p:nvPr/>
+      </p:nvGrpSpPr>
+      <p:grpSpPr>
+        <a:xfrm>
+          <a:off x="0" y="0"/>
+          <a:ext cx="0" cy="0"/>
+          <a:chOff x="0" y="0"/>
+          <a:chExt cx="0" cy="0"/>
+        </a:xfrm>
+      </p:grpSpPr>
+      <p:sp>
+        <p:nvSpPr>
+          <p:cNvPr id="5" name="Ellipse 4"/>
+          <p:cNvSpPr/>
+          <p:nvPr/>
+        </p:nvSpPr>
+        <p:spPr>
+          <a:xfrm>
+            <a:off x="3168396" y="2752644"/>
+            <a:ext cx="2953512" cy="2992074"/>
+          </a:xfrm>
+          <a:prstGeom prst="ellipse">
+            <a:avLst/>
+          </a:prstGeom>
+          <a:solidFill>
+            <a:srgbClr val="546EDA">
+              <a:alpha val="50196"/>
+            </a:srgbClr>
+          </a:solidFill>
+          <a:ln>
+            <a:noFill/>
+          </a:ln>
+        </p:spPr>
+        <p:style>
+          <a:lnRef idx="2">
+            <a:schemeClr val="accent6"/>
+          </a:lnRef>
+          <a:fillRef idx="1">
+            <a:schemeClr val="lt1"/>
+          </a:fillRef>
+          <a:effectRef idx="0">
+            <a:schemeClr val="accent6"/>
+          </a:effectRef>
+          <a:fontRef idx="minor">
+            <a:schemeClr val="dk1"/>
+          </a:fontRef>
+        </p:style>
+        <p:txBody>
+          <a:bodyPr rtlCol="0" anchor="ctr"/>
+          <a:lstStyle/>
+          <a:p>
+            <a:pPr algn="ctr"/>
+            <a:endParaRPr lang="de-DE" sz="1350" b="1" dirty="0">
+              <a:latin typeface="Fira Sans" panose="020B0503050000020004" pitchFamily="34" charset="0"/>
+              <a:ea typeface="Fira Sans" panose="020B0503050000020004" pitchFamily="34" charset="0"/>
+            </a:endParaRPr>
+          </a:p>
+        </p:txBody>
+      </p:sp>
+      <p:sp>
+        <p:nvSpPr>
+          <p:cNvPr id="7" name="Ellipse 6"/>
+          <p:cNvSpPr/>
+          <p:nvPr/>
+        </p:nvSpPr>
+        <p:spPr>
+          <a:xfrm>
+            <a:off x="4119058" y="1029000"/>
+            <a:ext cx="2953512" cy="2992074"/>
+          </a:xfrm>
+          <a:prstGeom prst="ellipse">
+            <a:avLst/>
+          </a:prstGeom>
+          <a:solidFill>
+            <a:srgbClr val="68DE8D">
+              <a:alpha val="49804"/>
+            </a:srgbClr>
+          </a:solidFill>
+          <a:ln>
+            <a:noFill/>
+          </a:ln>
+        </p:spPr>
+        <p:style>
+          <a:lnRef idx="2">
+            <a:schemeClr val="accent6"/>
+          </a:lnRef>
+          <a:fillRef idx="1">
+            <a:schemeClr val="lt1"/>
+          </a:fillRef>
+          <a:effectRef idx="0">
+            <a:schemeClr val="accent6"/>
+          </a:effectRef>
+          <a:fontRef idx="minor">
+            <a:schemeClr val="dk1"/>
+          </a:fontRef>
+        </p:style>
+        <p:txBody>
+          <a:bodyPr rtlCol="0" anchor="ctr"/>
+          <a:lstStyle/>
+          <a:p>
+            <a:pPr algn="ctr"/>
+            <a:endParaRPr lang="de-DE" sz="1350" b="1">
+              <a:latin typeface="Fira Sans" panose="020B0503050000020004" pitchFamily="34" charset="0"/>
+              <a:ea typeface="Fira Sans" panose="020B0503050000020004" pitchFamily="34" charset="0"/>
+            </a:endParaRPr>
+          </a:p>
+        </p:txBody>
+      </p:sp>
+      <p:sp>
+        <p:nvSpPr>
+          <p:cNvPr id="2" name="Textfeld 1"/>
+          <p:cNvSpPr txBox="1"/>
+          <p:nvPr/>
+        </p:nvSpPr>
+        <p:spPr>
+          <a:xfrm>
+            <a:off x="3770678" y="4216447"/>
+            <a:ext cx="1748948" cy="784830"/>
+          </a:xfrm>
+          <a:prstGeom prst="rect">
+            <a:avLst/>
+          </a:prstGeom>
+          <a:noFill/>
+        </p:spPr>
+        <p:txBody>
+          <a:bodyPr wrap="square" rtlCol="0">
+            <a:spAutoFit/>
+          </a:bodyPr>
+          <a:lstStyle/>
+          <a:p>
+            <a:pPr algn="ctr"/>
+            <a:r>
+              <a:rPr lang="de-DE" sz="2250" b="1" dirty="0">
+                <a:latin typeface="Fira Sans" panose="020B0503050000020004" pitchFamily="34" charset="0"/>
+                <a:ea typeface="Fira Sans" panose="020B0503050000020004" pitchFamily="34" charset="0"/>
+                <a:cs typeface="Aharoni" panose="02010803020104030203" pitchFamily="2" charset="-79"/>
+              </a:rPr>
+              <a:t>Substantive</a:t>
+            </a:r>
+          </a:p>
+          <a:p>
+            <a:pPr algn="ctr"/>
+            <a:r>
+              <a:rPr lang="de-DE" sz="2250" b="1" dirty="0">
+                <a:latin typeface="Fira Sans" panose="020B0503050000020004" pitchFamily="34" charset="0"/>
+                <a:ea typeface="Fira Sans" panose="020B0503050000020004" pitchFamily="34" charset="0"/>
+                <a:cs typeface="Aharoni" panose="02010803020104030203" pitchFamily="2" charset="-79"/>
+              </a:rPr>
+              <a:t>Expertise</a:t>
+            </a:r>
+          </a:p>
+        </p:txBody>
+      </p:sp>
+      <p:sp>
+        <p:nvSpPr>
+          <p:cNvPr id="11" name="Textfeld 10"/>
+          <p:cNvSpPr txBox="1"/>
+          <p:nvPr/>
+        </p:nvSpPr>
+        <p:spPr>
+          <a:xfrm rot="2642339">
+            <a:off x="4638497" y="1982920"/>
+            <a:ext cx="2497883" cy="784830"/>
+          </a:xfrm>
+          <a:prstGeom prst="rect">
+            <a:avLst/>
+          </a:prstGeom>
+          <a:noFill/>
+        </p:spPr>
+        <p:txBody>
+          <a:bodyPr wrap="square" rtlCol="0">
+            <a:spAutoFit/>
+          </a:bodyPr>
+          <a:lstStyle/>
+          <a:p>
+            <a:pPr algn="ctr"/>
+            <a:r>
+              <a:rPr lang="de-DE" sz="2250" b="1" dirty="0" err="1">
+                <a:latin typeface="Fira Sans" panose="020B0503050000020004" pitchFamily="34" charset="0"/>
+                <a:ea typeface="Fira Sans" panose="020B0503050000020004" pitchFamily="34" charset="0"/>
+                <a:cs typeface="Aharoni" panose="02010803020104030203" pitchFamily="2" charset="-79"/>
+              </a:rPr>
+              <a:t>Math</a:t>
+            </a:r>
+            <a:r>
+              <a:rPr lang="de-DE" sz="2250" b="1" dirty="0">
+                <a:latin typeface="Fira Sans" panose="020B0503050000020004" pitchFamily="34" charset="0"/>
+                <a:ea typeface="Fira Sans" panose="020B0503050000020004" pitchFamily="34" charset="0"/>
+                <a:cs typeface="Aharoni" panose="02010803020104030203" pitchFamily="2" charset="-79"/>
+              </a:rPr>
+              <a:t> &amp; </a:t>
+            </a:r>
+            <a:r>
+              <a:rPr lang="de-DE" sz="2250" b="1" dirty="0" err="1">
+                <a:latin typeface="Fira Sans" panose="020B0503050000020004" pitchFamily="34" charset="0"/>
+                <a:ea typeface="Fira Sans" panose="020B0503050000020004" pitchFamily="34" charset="0"/>
+                <a:cs typeface="Aharoni" panose="02010803020104030203" pitchFamily="2" charset="-79"/>
+              </a:rPr>
+              <a:t>Statistics</a:t>
+            </a:r>
+            <a:endParaRPr lang="de-DE" sz="2250" b="1" dirty="0">
+              <a:latin typeface="Fira Sans" panose="020B0503050000020004" pitchFamily="34" charset="0"/>
+              <a:ea typeface="Fira Sans" panose="020B0503050000020004" pitchFamily="34" charset="0"/>
+              <a:cs typeface="Aharoni" panose="02010803020104030203" pitchFamily="2" charset="-79"/>
+            </a:endParaRPr>
+          </a:p>
+          <a:p>
+            <a:pPr algn="ctr"/>
+            <a:r>
+              <a:rPr lang="de-DE" sz="2250" b="1" dirty="0">
+                <a:latin typeface="Fira Sans" panose="020B0503050000020004" pitchFamily="34" charset="0"/>
+                <a:ea typeface="Fira Sans" panose="020B0503050000020004" pitchFamily="34" charset="0"/>
+                <a:cs typeface="Aharoni" panose="02010803020104030203" pitchFamily="2" charset="-79"/>
+              </a:rPr>
+              <a:t>Knowledge</a:t>
+            </a:r>
+          </a:p>
+        </p:txBody>
+      </p:sp>
+      <p:sp>
+        <p:nvSpPr>
+          <p:cNvPr id="10" name="Textfeld 1">
+            <a:extLst>
+              <a:ext uri="{FF2B5EF4-FFF2-40B4-BE49-F238E27FC236}">
+                <a16:creationId xmlns:a16="http://schemas.microsoft.com/office/drawing/2014/main" id="{3060FA5E-63A5-8E42-B718-3EBB82727150}"/>
+              </a:ext>
+            </a:extLst>
+          </p:cNvPr>
+          <p:cNvSpPr txBox="1"/>
+          <p:nvPr/>
+        </p:nvSpPr>
+        <p:spPr>
+          <a:xfrm rot="2585290">
+            <a:off x="4835977" y="3263415"/>
+            <a:ext cx="1143437" cy="507831"/>
+          </a:xfrm>
+          <a:prstGeom prst="rect">
+            <a:avLst/>
+          </a:prstGeom>
+          <a:noFill/>
+        </p:spPr>
+        <p:txBody>
+          <a:bodyPr wrap="square" rtlCol="0">
+            <a:spAutoFit/>
+          </a:bodyPr>
+          <a:lstStyle/>
+          <a:p>
+            <a:pPr algn="ctr"/>
+            <a:r>
+              <a:rPr lang="de-DE" sz="1350" b="1" dirty="0">
+                <a:latin typeface="Fira Sans" panose="020B0503050000020004" pitchFamily="34" charset="0"/>
+                <a:ea typeface="Fira Sans" panose="020B0503050000020004" pitchFamily="34" charset="0"/>
+                <a:cs typeface="Aharoni" panose="02010803020104030203" pitchFamily="2" charset="-79"/>
+              </a:rPr>
+              <a:t>Traditional Research</a:t>
+            </a:r>
+          </a:p>
+        </p:txBody>
+      </p:sp>
+    </p:spTree>
+    <p:extLst>
+      <p:ext uri="{BB962C8B-B14F-4D97-AF65-F5344CB8AC3E}">
+        <p14:creationId xmlns:p14="http://schemas.microsoft.com/office/powerpoint/2010/main" val="3160525452"/>
+      </p:ext>
+    </p:extLst>
+  </p:cSld>
+  <p:clrMapOvr>
+    <a:masterClrMapping/>
+  </p:clrMapOvr>
+</p:sld>
+</file>
+
+<file path=ppt/slides/slide9.xml><?xml version="1.0" encoding="utf-8"?>
+<p:sld xmlns:a="http://schemas.openxmlformats.org/drawingml/2006/main" xmlns:r="http://schemas.openxmlformats.org/officeDocument/2006/relationships" xmlns:p="http://schemas.openxmlformats.org/presentationml/2006/main">
+  <p:cSld>
+    <p:spTree>
+      <p:nvGrpSpPr>
+        <p:cNvPr id="1" name=""/>
+        <p:cNvGrpSpPr/>
+        <p:nvPr/>
+      </p:nvGrpSpPr>
+      <p:grpSpPr>
+        <a:xfrm>
+          <a:off x="0" y="0"/>
+          <a:ext cx="0" cy="0"/>
+          <a:chOff x="0" y="0"/>
+          <a:chExt cx="0" cy="0"/>
+        </a:xfrm>
+      </p:grpSpPr>
+      <p:sp>
+        <p:nvSpPr>
+          <p:cNvPr id="5" name="Ellipse 4"/>
+          <p:cNvSpPr/>
+          <p:nvPr/>
+        </p:nvSpPr>
+        <p:spPr>
+          <a:xfrm>
+            <a:off x="3168396" y="2752644"/>
+            <a:ext cx="2953512" cy="2992074"/>
+          </a:xfrm>
+          <a:prstGeom prst="ellipse">
+            <a:avLst/>
+          </a:prstGeom>
+          <a:solidFill>
+            <a:srgbClr val="546EDA">
+              <a:alpha val="50196"/>
+            </a:srgbClr>
+          </a:solidFill>
+          <a:ln>
+            <a:noFill/>
+          </a:ln>
+        </p:spPr>
+        <p:style>
+          <a:lnRef idx="2">
+            <a:schemeClr val="accent6"/>
+          </a:lnRef>
+          <a:fillRef idx="1">
+            <a:schemeClr val="lt1"/>
+          </a:fillRef>
+          <a:effectRef idx="0">
+            <a:schemeClr val="accent6"/>
+          </a:effectRef>
+          <a:fontRef idx="minor">
+            <a:schemeClr val="dk1"/>
+          </a:fontRef>
+        </p:style>
+        <p:txBody>
+          <a:bodyPr rtlCol="0" anchor="ctr"/>
+          <a:lstStyle/>
+          <a:p>
+            <a:pPr algn="ctr"/>
+            <a:endParaRPr lang="de-DE" sz="1350" b="1" dirty="0">
+              <a:latin typeface="Fira Sans" panose="020B0503050000020004" pitchFamily="34" charset="0"/>
+              <a:ea typeface="Fira Sans" panose="020B0503050000020004" pitchFamily="34" charset="0"/>
+            </a:endParaRPr>
+          </a:p>
+        </p:txBody>
+      </p:sp>
+      <p:sp>
+        <p:nvSpPr>
+          <p:cNvPr id="6" name="Ellipse 5"/>
+          <p:cNvSpPr/>
+          <p:nvPr/>
+        </p:nvSpPr>
+        <p:spPr>
+          <a:xfrm>
+            <a:off x="2240280" y="1067862"/>
+            <a:ext cx="2953512" cy="2992074"/>
+          </a:xfrm>
+          <a:prstGeom prst="ellipse">
+            <a:avLst/>
+          </a:prstGeom>
+          <a:solidFill>
+            <a:srgbClr val="FF6969">
+              <a:alpha val="49804"/>
+            </a:srgbClr>
+          </a:solidFill>
+          <a:ln>
+            <a:noFill/>
+          </a:ln>
+        </p:spPr>
+        <p:style>
+          <a:lnRef idx="2">
+            <a:schemeClr val="accent6"/>
+          </a:lnRef>
+          <a:fillRef idx="1">
+            <a:schemeClr val="lt1"/>
+          </a:fillRef>
+          <a:effectRef idx="0">
+            <a:schemeClr val="accent6"/>
+          </a:effectRef>
+          <a:fontRef idx="minor">
+            <a:schemeClr val="dk1"/>
+          </a:fontRef>
+        </p:style>
+        <p:txBody>
+          <a:bodyPr rtlCol="0" anchor="ctr"/>
+          <a:lstStyle/>
+          <a:p>
+            <a:pPr algn="ctr"/>
+            <a:endParaRPr lang="de-DE" sz="1350" b="1">
+              <a:latin typeface="Fira Sans" panose="020B0503050000020004" pitchFamily="34" charset="0"/>
+              <a:ea typeface="Fira Sans" panose="020B0503050000020004" pitchFamily="34" charset="0"/>
+            </a:endParaRPr>
+          </a:p>
+        </p:txBody>
+      </p:sp>
+      <p:sp>
+        <p:nvSpPr>
+          <p:cNvPr id="7" name="Ellipse 6"/>
+          <p:cNvSpPr/>
+          <p:nvPr/>
+        </p:nvSpPr>
+        <p:spPr>
+          <a:xfrm>
+            <a:off x="4119058" y="1029000"/>
+            <a:ext cx="2953512" cy="2992074"/>
+          </a:xfrm>
+          <a:prstGeom prst="ellipse">
+            <a:avLst/>
+          </a:prstGeom>
+          <a:solidFill>
+            <a:srgbClr val="68DE8D">
+              <a:alpha val="49804"/>
+            </a:srgbClr>
+          </a:solidFill>
+          <a:ln>
+            <a:noFill/>
+          </a:ln>
+        </p:spPr>
+        <p:style>
+          <a:lnRef idx="2">
+            <a:schemeClr val="accent6"/>
+          </a:lnRef>
+          <a:fillRef idx="1">
+            <a:schemeClr val="lt1"/>
+          </a:fillRef>
+          <a:effectRef idx="0">
+            <a:schemeClr val="accent6"/>
+          </a:effectRef>
+          <a:fontRef idx="minor">
+            <a:schemeClr val="dk1"/>
+          </a:fontRef>
+        </p:style>
+        <p:txBody>
+          <a:bodyPr rtlCol="0" anchor="ctr"/>
+          <a:lstStyle/>
+          <a:p>
+            <a:pPr algn="ctr"/>
+            <a:endParaRPr lang="de-DE" sz="1350" b="1">
+              <a:latin typeface="Fira Sans" panose="020B0503050000020004" pitchFamily="34" charset="0"/>
+              <a:ea typeface="Fira Sans" panose="020B0503050000020004" pitchFamily="34" charset="0"/>
+            </a:endParaRPr>
+          </a:p>
+        </p:txBody>
+      </p:sp>
+      <p:sp>
+        <p:nvSpPr>
+          <p:cNvPr id="2" name="Textfeld 1"/>
+          <p:cNvSpPr txBox="1"/>
+          <p:nvPr/>
+        </p:nvSpPr>
+        <p:spPr>
+          <a:xfrm>
+            <a:off x="3770678" y="4216447"/>
+            <a:ext cx="1748948" cy="784830"/>
+          </a:xfrm>
+          <a:prstGeom prst="rect">
+            <a:avLst/>
+          </a:prstGeom>
+          <a:noFill/>
+        </p:spPr>
+        <p:txBody>
+          <a:bodyPr wrap="square" rtlCol="0">
+            <a:spAutoFit/>
+          </a:bodyPr>
+          <a:lstStyle/>
+          <a:p>
+            <a:pPr algn="ctr"/>
+            <a:r>
+              <a:rPr lang="de-DE" sz="2250" b="1" dirty="0">
+                <a:latin typeface="Fira Sans" panose="020B0503050000020004" pitchFamily="34" charset="0"/>
+                <a:ea typeface="Fira Sans" panose="020B0503050000020004" pitchFamily="34" charset="0"/>
+                <a:cs typeface="Aharoni" panose="02010803020104030203" pitchFamily="2" charset="-79"/>
+              </a:rPr>
+              <a:t>Substantive</a:t>
+            </a:r>
+          </a:p>
+          <a:p>
+            <a:pPr algn="ctr"/>
+            <a:r>
+              <a:rPr lang="de-DE" sz="2250" b="1" dirty="0">
+                <a:latin typeface="Fira Sans" panose="020B0503050000020004" pitchFamily="34" charset="0"/>
+                <a:ea typeface="Fira Sans" panose="020B0503050000020004" pitchFamily="34" charset="0"/>
+                <a:cs typeface="Aharoni" panose="02010803020104030203" pitchFamily="2" charset="-79"/>
+              </a:rPr>
+              <a:t>Expertise</a:t>
+            </a:r>
+          </a:p>
+        </p:txBody>
+      </p:sp>
+      <p:sp>
+        <p:nvSpPr>
+          <p:cNvPr id="9" name="Textfeld 8"/>
+          <p:cNvSpPr txBox="1"/>
+          <p:nvPr/>
+        </p:nvSpPr>
+        <p:spPr>
+          <a:xfrm rot="19138435">
+            <a:off x="2230770" y="1982920"/>
+            <a:ext cx="2085670" cy="784830"/>
+          </a:xfrm>
+          <a:prstGeom prst="rect">
+            <a:avLst/>
+          </a:prstGeom>
+          <a:noFill/>
+        </p:spPr>
+        <p:txBody>
+          <a:bodyPr wrap="square" rtlCol="0">
+            <a:spAutoFit/>
+          </a:bodyPr>
+          <a:lstStyle/>
+          <a:p>
+            <a:pPr algn="ctr"/>
+            <a:r>
+              <a:rPr lang="de-DE" sz="2250" b="1" dirty="0">
+                <a:latin typeface="Fira Sans" panose="020B0503050000020004" pitchFamily="34" charset="0"/>
+                <a:ea typeface="Fira Sans" panose="020B0503050000020004" pitchFamily="34" charset="0"/>
+                <a:cs typeface="Aharoni" panose="02010803020104030203" pitchFamily="2" charset="-79"/>
+              </a:rPr>
+              <a:t>Data Science Skills</a:t>
+            </a:r>
+          </a:p>
+        </p:txBody>
+      </p:sp>
+      <p:sp>
+        <p:nvSpPr>
+          <p:cNvPr id="11" name="Textfeld 10"/>
+          <p:cNvSpPr txBox="1"/>
+          <p:nvPr/>
+        </p:nvSpPr>
+        <p:spPr>
+          <a:xfrm rot="2642339">
+            <a:off x="4638497" y="1982920"/>
+            <a:ext cx="2497883" cy="784830"/>
+          </a:xfrm>
+          <a:prstGeom prst="rect">
+            <a:avLst/>
+          </a:prstGeom>
+          <a:noFill/>
+        </p:spPr>
+        <p:txBody>
+          <a:bodyPr wrap="square" rtlCol="0">
+            <a:spAutoFit/>
+          </a:bodyPr>
+          <a:lstStyle/>
+          <a:p>
+            <a:pPr algn="ctr"/>
+            <a:r>
+              <a:rPr lang="de-DE" sz="2250" b="1" dirty="0" err="1">
+                <a:latin typeface="Fira Sans" panose="020B0503050000020004" pitchFamily="34" charset="0"/>
+                <a:ea typeface="Fira Sans" panose="020B0503050000020004" pitchFamily="34" charset="0"/>
+                <a:cs typeface="Aharoni" panose="02010803020104030203" pitchFamily="2" charset="-79"/>
+              </a:rPr>
+              <a:t>Math</a:t>
+            </a:r>
+            <a:r>
+              <a:rPr lang="de-DE" sz="2250" b="1" dirty="0">
+                <a:latin typeface="Fira Sans" panose="020B0503050000020004" pitchFamily="34" charset="0"/>
+                <a:ea typeface="Fira Sans" panose="020B0503050000020004" pitchFamily="34" charset="0"/>
+                <a:cs typeface="Aharoni" panose="02010803020104030203" pitchFamily="2" charset="-79"/>
+              </a:rPr>
+              <a:t> &amp; </a:t>
+            </a:r>
+            <a:r>
+              <a:rPr lang="de-DE" sz="2250" b="1" dirty="0" err="1">
+                <a:latin typeface="Fira Sans" panose="020B0503050000020004" pitchFamily="34" charset="0"/>
+                <a:ea typeface="Fira Sans" panose="020B0503050000020004" pitchFamily="34" charset="0"/>
+                <a:cs typeface="Aharoni" panose="02010803020104030203" pitchFamily="2" charset="-79"/>
+              </a:rPr>
+              <a:t>Statistics</a:t>
+            </a:r>
+            <a:endParaRPr lang="de-DE" sz="2250" b="1" dirty="0">
+              <a:latin typeface="Fira Sans" panose="020B0503050000020004" pitchFamily="34" charset="0"/>
+              <a:ea typeface="Fira Sans" panose="020B0503050000020004" pitchFamily="34" charset="0"/>
+              <a:cs typeface="Aharoni" panose="02010803020104030203" pitchFamily="2" charset="-79"/>
+            </a:endParaRPr>
+          </a:p>
+          <a:p>
+            <a:pPr algn="ctr"/>
+            <a:r>
+              <a:rPr lang="de-DE" sz="2250" b="1" dirty="0">
+                <a:latin typeface="Fira Sans" panose="020B0503050000020004" pitchFamily="34" charset="0"/>
+                <a:ea typeface="Fira Sans" panose="020B0503050000020004" pitchFamily="34" charset="0"/>
+                <a:cs typeface="Aharoni" panose="02010803020104030203" pitchFamily="2" charset="-79"/>
+              </a:rPr>
+              <a:t>Knowledge</a:t>
+            </a:r>
+          </a:p>
+        </p:txBody>
+      </p:sp>
+      <p:sp>
+        <p:nvSpPr>
+          <p:cNvPr id="8" name="Textfeld 1">
+            <a:extLst>
+              <a:ext uri="{FF2B5EF4-FFF2-40B4-BE49-F238E27FC236}">
+                <a16:creationId xmlns:a16="http://schemas.microsoft.com/office/drawing/2014/main" id="{5C8DFC31-7C01-1743-9C3C-6CBCC1B9FE9F}"/>
+              </a:ext>
+            </a:extLst>
+          </p:cNvPr>
+          <p:cNvSpPr txBox="1"/>
+          <p:nvPr/>
+        </p:nvSpPr>
+        <p:spPr>
+          <a:xfrm rot="19272981">
+            <a:off x="3313489" y="3202327"/>
+            <a:ext cx="1143437" cy="715581"/>
+          </a:xfrm>
+          <a:prstGeom prst="rect">
+            <a:avLst/>
+          </a:prstGeom>
+          <a:noFill/>
+        </p:spPr>
+        <p:txBody>
+          <a:bodyPr wrap="square" rtlCol="0">
+            <a:spAutoFit/>
+          </a:bodyPr>
+          <a:lstStyle/>
+          <a:p>
+            <a:pPr algn="ctr"/>
+            <a:r>
+              <a:rPr lang="de-DE" sz="1350" b="1" dirty="0">
+                <a:latin typeface="Fira Sans" panose="020B0503050000020004" pitchFamily="34" charset="0"/>
+                <a:ea typeface="Fira Sans" panose="020B0503050000020004" pitchFamily="34" charset="0"/>
+                <a:cs typeface="Aharoni" panose="02010803020104030203" pitchFamily="2" charset="-79"/>
+              </a:rPr>
+              <a:t>Applied Data Science</a:t>
+            </a:r>
+          </a:p>
+        </p:txBody>
+      </p:sp>
+      <p:sp>
+        <p:nvSpPr>
+          <p:cNvPr id="10" name="Textfeld 1">
+            <a:extLst>
+              <a:ext uri="{FF2B5EF4-FFF2-40B4-BE49-F238E27FC236}">
+                <a16:creationId xmlns:a16="http://schemas.microsoft.com/office/drawing/2014/main" id="{3060FA5E-63A5-8E42-B718-3EBB82727150}"/>
+              </a:ext>
+            </a:extLst>
+          </p:cNvPr>
+          <p:cNvSpPr txBox="1"/>
+          <p:nvPr/>
+        </p:nvSpPr>
+        <p:spPr>
+          <a:xfrm rot="2585290">
+            <a:off x="4835977" y="3263415"/>
+            <a:ext cx="1143437" cy="507831"/>
+          </a:xfrm>
+          <a:prstGeom prst="rect">
+            <a:avLst/>
+          </a:prstGeom>
+          <a:noFill/>
+        </p:spPr>
+        <p:txBody>
+          <a:bodyPr wrap="square" rtlCol="0">
+            <a:spAutoFit/>
+          </a:bodyPr>
+          <a:lstStyle/>
+          <a:p>
+            <a:pPr algn="ctr"/>
+            <a:r>
+              <a:rPr lang="de-DE" sz="1350" b="1" dirty="0">
+                <a:latin typeface="Fira Sans" panose="020B0503050000020004" pitchFamily="34" charset="0"/>
+                <a:ea typeface="Fira Sans" panose="020B0503050000020004" pitchFamily="34" charset="0"/>
+                <a:cs typeface="Aharoni" panose="02010803020104030203" pitchFamily="2" charset="-79"/>
+              </a:rPr>
+              <a:t>Traditional Research</a:t>
+            </a:r>
+          </a:p>
+        </p:txBody>
+      </p:sp>
+    </p:spTree>
+    <p:extLst>
+      <p:ext uri="{BB962C8B-B14F-4D97-AF65-F5344CB8AC3E}">
+        <p14:creationId xmlns:p14="http://schemas.microsoft.com/office/powerpoint/2010/main" val="3712342390"/>
       </p:ext>
     </p:extLst>
   </p:cSld>
